--- a/Later/Spring/5_Spring_Basic/15/Spring inject Date into bean property - Factory bean.pptx
+++ b/Later/Spring/5_Spring_Basic/15/Spring inject Date into bean property - Factory bean.pptx
@@ -193,7 +193,7 @@
           <a:p>
             <a:fld id="{62274EC6-3890-417B-9308-14EFBD00FA63}" type="datetimeFigureOut">
               <a:rPr lang="en-US" smtClean="0"/>
-              <a:t>3/8/2018</a:t>
+              <a:t>3/12/2018</a:t>
             </a:fld>
             <a:endParaRPr lang="en-US" dirty="0"/>
           </a:p>
@@ -821,7 +821,7 @@
             <a:fld id="{1D8BD707-D9CF-40AE-B4C6-C98DA3205C09}" type="datetimeFigureOut">
               <a:rPr lang="en-US" smtClean="0"/>
               <a:pPr/>
-              <a:t>3/8/2018</a:t>
+              <a:t>3/12/2018</a:t>
             </a:fld>
             <a:endParaRPr lang="en-US" dirty="0"/>
           </a:p>
@@ -993,7 +993,7 @@
             <a:fld id="{1D8BD707-D9CF-40AE-B4C6-C98DA3205C09}" type="datetimeFigureOut">
               <a:rPr lang="en-US" smtClean="0"/>
               <a:pPr/>
-              <a:t>3/8/2018</a:t>
+              <a:t>3/12/2018</a:t>
             </a:fld>
             <a:endParaRPr lang="en-US" dirty="0"/>
           </a:p>
@@ -1175,7 +1175,7 @@
             <a:fld id="{1D8BD707-D9CF-40AE-B4C6-C98DA3205C09}" type="datetimeFigureOut">
               <a:rPr lang="en-US" smtClean="0"/>
               <a:pPr/>
-              <a:t>3/8/2018</a:t>
+              <a:t>3/12/2018</a:t>
             </a:fld>
             <a:endParaRPr lang="en-US" dirty="0"/>
           </a:p>
@@ -1347,7 +1347,7 @@
             <a:fld id="{1D8BD707-D9CF-40AE-B4C6-C98DA3205C09}" type="datetimeFigureOut">
               <a:rPr lang="en-US" smtClean="0"/>
               <a:pPr/>
-              <a:t>3/8/2018</a:t>
+              <a:t>3/12/2018</a:t>
             </a:fld>
             <a:endParaRPr lang="en-US" dirty="0"/>
           </a:p>
@@ -1595,7 +1595,7 @@
             <a:fld id="{1D8BD707-D9CF-40AE-B4C6-C98DA3205C09}" type="datetimeFigureOut">
               <a:rPr lang="en-US" smtClean="0"/>
               <a:pPr/>
-              <a:t>3/8/2018</a:t>
+              <a:t>3/12/2018</a:t>
             </a:fld>
             <a:endParaRPr lang="en-US" dirty="0"/>
           </a:p>
@@ -1885,7 +1885,7 @@
             <a:fld id="{1D8BD707-D9CF-40AE-B4C6-C98DA3205C09}" type="datetimeFigureOut">
               <a:rPr lang="en-US" smtClean="0"/>
               <a:pPr/>
-              <a:t>3/8/2018</a:t>
+              <a:t>3/12/2018</a:t>
             </a:fld>
             <a:endParaRPr lang="en-US" dirty="0"/>
           </a:p>
@@ -2314,7 +2314,7 @@
             <a:fld id="{1D8BD707-D9CF-40AE-B4C6-C98DA3205C09}" type="datetimeFigureOut">
               <a:rPr lang="en-US" smtClean="0"/>
               <a:pPr/>
-              <a:t>3/8/2018</a:t>
+              <a:t>3/12/2018</a:t>
             </a:fld>
             <a:endParaRPr lang="en-US" dirty="0"/>
           </a:p>
@@ -2434,7 +2434,7 @@
             <a:fld id="{1D8BD707-D9CF-40AE-B4C6-C98DA3205C09}" type="datetimeFigureOut">
               <a:rPr lang="en-US" smtClean="0"/>
               <a:pPr/>
-              <a:t>3/8/2018</a:t>
+              <a:t>3/12/2018</a:t>
             </a:fld>
             <a:endParaRPr lang="en-US" dirty="0"/>
           </a:p>
@@ -2531,7 +2531,7 @@
             <a:fld id="{1D8BD707-D9CF-40AE-B4C6-C98DA3205C09}" type="datetimeFigureOut">
               <a:rPr lang="en-US" smtClean="0"/>
               <a:pPr/>
-              <a:t>3/8/2018</a:t>
+              <a:t>3/12/2018</a:t>
             </a:fld>
             <a:endParaRPr lang="en-US" dirty="0"/>
           </a:p>
@@ -2810,7 +2810,7 @@
             <a:fld id="{1D8BD707-D9CF-40AE-B4C6-C98DA3205C09}" type="datetimeFigureOut">
               <a:rPr lang="en-US" smtClean="0"/>
               <a:pPr/>
-              <a:t>3/8/2018</a:t>
+              <a:t>3/12/2018</a:t>
             </a:fld>
             <a:endParaRPr lang="en-US" dirty="0"/>
           </a:p>
@@ -3065,7 +3065,7 @@
             <a:fld id="{1D8BD707-D9CF-40AE-B4C6-C98DA3205C09}" type="datetimeFigureOut">
               <a:rPr lang="en-US" smtClean="0"/>
               <a:pPr/>
-              <a:t>3/8/2018</a:t>
+              <a:t>3/12/2018</a:t>
             </a:fld>
             <a:endParaRPr lang="en-US" dirty="0"/>
           </a:p>
@@ -3280,7 +3280,7 @@
             <a:fld id="{1D8BD707-D9CF-40AE-B4C6-C98DA3205C09}" type="datetimeFigureOut">
               <a:rPr lang="en-US" smtClean="0"/>
               <a:pPr/>
-              <a:t>3/8/2018</a:t>
+              <a:t>3/12/2018</a:t>
             </a:fld>
             <a:endParaRPr lang="en-US" dirty="0"/>
           </a:p>
@@ -3658,7 +3658,7 @@
       </p:grpSpPr>
       <p:pic>
         <p:nvPicPr>
-          <p:cNvPr id="5" name="Picture 2"/>
+          <p:cNvPr id="1027" name="Picture 3"/>
           <p:cNvPicPr>
             <a:picLocks noChangeAspect="1" noChangeArrowheads="1"/>
           </p:cNvPicPr>
@@ -3679,8 +3679,8 @@
         </p:blipFill>
         <p:spPr bwMode="auto">
           <a:xfrm>
-            <a:off x="4400550" y="465139"/>
-            <a:ext cx="4591050" cy="2887662"/>
+            <a:off x="4386263" y="436563"/>
+            <a:ext cx="4471987" cy="3068637"/>
           </a:xfrm>
           <a:prstGeom prst="rect">
             <a:avLst/>
@@ -3827,8 +3827,8 @@
         </p:nvSpPr>
         <p:spPr>
           <a:xfrm>
-            <a:off x="1905000" y="35738"/>
-            <a:ext cx="5410200" cy="276999"/>
+            <a:off x="2286000" y="35738"/>
+            <a:ext cx="4495800" cy="276999"/>
           </a:xfrm>
           <a:prstGeom prst="rect">
             <a:avLst/>
@@ -3950,28 +3950,24 @@
           <a:p>
             <a:pPr algn="ctr"/>
             <a:r>
+              <a:rPr lang="en-US" sz="1200" dirty="0" smtClean="0"/>
+              <a:t>How to inject </a:t>
+            </a:r>
+            <a:r>
               <a:rPr lang="en-US" sz="1200" dirty="0"/>
-              <a:t>MapFactoryBean</a:t>
+              <a:t>Date into bean </a:t>
             </a:r>
             <a:r>
               <a:rPr lang="en-US" sz="1200" dirty="0" smtClean="0"/>
-              <a:t> to </a:t>
+              <a:t>property using </a:t>
             </a:r>
             <a:r>
               <a:rPr lang="en-US" sz="1200" dirty="0"/>
-              <a:t>create a concrete Map collection class </a:t>
+              <a:t>Factory </a:t>
             </a:r>
             <a:r>
               <a:rPr lang="en-US" sz="1200" dirty="0" smtClean="0"/>
-              <a:t>(</a:t>
-            </a:r>
-            <a:r>
-              <a:rPr lang="en-US" sz="1200" dirty="0"/>
-              <a:t>HashMap and TreeMap</a:t>
-            </a:r>
-            <a:r>
-              <a:rPr lang="en-US" sz="1200" dirty="0" smtClean="0"/>
-              <a:t>)</a:t>
+              <a:t>bean in Spring</a:t>
             </a:r>
             <a:endParaRPr lang="en-US" sz="1200" dirty="0"/>
           </a:p>
@@ -3985,8 +3981,8 @@
         </p:nvSpPr>
         <p:spPr>
           <a:xfrm>
-            <a:off x="5105400" y="3669090"/>
-            <a:ext cx="3733800" cy="1131509"/>
+            <a:off x="4800600" y="3669090"/>
+            <a:ext cx="4038600" cy="1131509"/>
           </a:xfrm>
           <a:prstGeom prst="wedgeRectCallout">
             <a:avLst>
@@ -4018,16 +4014,9 @@
               <a:buFont typeface="Wingdings" panose="05000000000000000000" pitchFamily="2" charset="2"/>
               <a:buChar char="ü"/>
             </a:pPr>
-            <a:endParaRPr lang="en-US" sz="1200" dirty="0" smtClean="0"/>
-          </a:p>
-          <a:p>
-            <a:pPr marL="171450" indent="-171450">
-              <a:buFont typeface="Wingdings" panose="05000000000000000000" pitchFamily="2" charset="2"/>
-              <a:buChar char="ü"/>
-            </a:pPr>
-            <a:r>
-              <a:rPr lang="en-US" sz="1200" dirty="0" smtClean="0"/>
-              <a:t>We can use </a:t>
+            <a:r>
+              <a:rPr lang="en-US" sz="1200" dirty="0"/>
+              <a:t>Declare a </a:t>
             </a:r>
             <a:r>
               <a:rPr lang="en-US" sz="1200" dirty="0">
@@ -4035,28 +4024,33 @@
                   <a:srgbClr val="FF0000"/>
                 </a:solidFill>
               </a:rPr>
-              <a:t>MapFactoryBean</a:t>
+              <a:t>dateFormat</a:t>
             </a:r>
             <a:r>
               <a:rPr lang="en-US" sz="1200" dirty="0"/>
-              <a:t> </a:t>
+              <a:t> bean, in </a:t>
+            </a:r>
+            <a:r>
+              <a:rPr lang="en-US" sz="1200" dirty="0" smtClean="0"/>
+              <a:t>“employee” </a:t>
             </a:r>
             <a:r>
               <a:rPr lang="en-US" sz="1200" dirty="0"/>
-              <a:t>to create a concrete Map collection class (HashMap and TreeMap</a:t>
-            </a:r>
-            <a:r>
-              <a:rPr lang="en-US" sz="1200" dirty="0" smtClean="0"/>
-              <a:t>) </a:t>
+              <a:t>bean, reference “</a:t>
+            </a:r>
+            <a:r>
+              <a:rPr lang="en-US" sz="1200" dirty="0">
+                <a:solidFill>
+                  <a:srgbClr val="FF0000"/>
+                </a:solidFill>
+              </a:rPr>
+              <a:t>dateFormat</a:t>
             </a:r>
             <a:r>
               <a:rPr lang="en-US" sz="1200" dirty="0"/>
-              <a:t>in Spring’s bean configuration file</a:t>
-            </a:r>
-            <a:r>
-              <a:rPr lang="en-US" sz="1200" dirty="0" smtClean="0"/>
-              <a:t>.</a:t>
-            </a:r>
+              <a:t>” bean as a factory bean. </a:t>
+            </a:r>
+            <a:endParaRPr lang="en-US" sz="1200" dirty="0" smtClean="0"/>
           </a:p>
           <a:p>
             <a:pPr marL="171450" indent="-171450">
@@ -4071,38 +4065,40 @@
               <a:buChar char="ü"/>
             </a:pPr>
             <a:r>
-              <a:rPr lang="en-US" sz="1200" dirty="0" smtClean="0">
+              <a:rPr lang="en-US" sz="1200" dirty="0" smtClean="0"/>
+              <a:t>The </a:t>
+            </a:r>
+            <a:r>
+              <a:rPr lang="en-US" sz="1200" dirty="0"/>
+              <a:t>factory method will </a:t>
+            </a:r>
+            <a:r>
+              <a:rPr lang="en-US" sz="1200" dirty="0" smtClean="0"/>
+              <a:t>call</a:t>
+            </a:r>
+            <a:r>
+              <a:rPr lang="en-US" sz="1200" dirty="0"/>
+              <a:t> </a:t>
+            </a:r>
+            <a:r>
+              <a:rPr lang="en-US" sz="1200" dirty="0">
                 <a:solidFill>
                   <a:srgbClr val="FF0000"/>
                 </a:solidFill>
               </a:rPr>
-              <a:t>MapFactoryBean</a:t>
-            </a:r>
-            <a:r>
-              <a:rPr lang="en-US" sz="1200" dirty="0" smtClean="0"/>
-              <a:t> </a:t>
-            </a:r>
-            <a:r>
-              <a:rPr lang="en-US" sz="1200" dirty="0" smtClean="0"/>
-              <a:t>will </a:t>
+              <a:t>SimpleDateFormat.parse()</a:t>
             </a:r>
             <a:r>
               <a:rPr lang="en-US" sz="1200" dirty="0"/>
-              <a:t>instantiate an HashMap at runtime, and inject it into a bean property.</a:t>
-            </a:r>
-          </a:p>
-          <a:p>
-            <a:pPr marL="171450" indent="-171450">
-              <a:buFont typeface="Wingdings" panose="05000000000000000000" pitchFamily="2" charset="2"/>
-              <a:buChar char="ü"/>
-            </a:pPr>
+              <a:t> to convert String into Date object automatically.</a:t>
+            </a:r>
             <a:endParaRPr lang="en-US" sz="1200" dirty="0"/>
           </a:p>
         </p:txBody>
       </p:sp>
       <p:pic>
         <p:nvPicPr>
-          <p:cNvPr id="1026" name="Picture 2"/>
+          <p:cNvPr id="8" name="Picture 2"/>
           <p:cNvPicPr>
             <a:picLocks noChangeAspect="1" noChangeArrowheads="1"/>
           </p:cNvPicPr>
@@ -4123,111 +4119,98 @@
         </p:blipFill>
         <p:spPr bwMode="auto">
           <a:xfrm>
-            <a:off x="136525" y="465138"/>
-            <a:ext cx="3978275" cy="2990850"/>
+            <a:off x="165100" y="465139"/>
+            <a:ext cx="3691533" cy="4164619"/>
           </a:xfrm>
           <a:prstGeom prst="rect">
             <a:avLst/>
           </a:prstGeom>
-          <a:noFill/>
-          <a:ln>
-            <a:noFill/>
-          </a:ln>
-          <a:effectLst/>
-          <a:extLst>
-            <a:ext uri="{909E8E84-426E-40DD-AFC4-6F175D3DCCD1}">
-              <a14:hiddenFill xmlns:a14="http://schemas.microsoft.com/office/drawing/2010/main">
-                <a:solidFill>
-                  <a:schemeClr val="accent1"/>
-                </a:solidFill>
-              </a14:hiddenFill>
-            </a:ext>
-            <a:ext uri="{91240B29-F687-4F45-9708-019B960494DF}">
-              <a14:hiddenLine xmlns:a14="http://schemas.microsoft.com/office/drawing/2010/main" w="9525">
-                <a:solidFill>
-                  <a:schemeClr val="tx1"/>
-                </a:solidFill>
-                <a:miter lim="800000"/>
-                <a:headEnd/>
-                <a:tailEnd/>
-              </a14:hiddenLine>
-            </a:ext>
-            <a:ext uri="{AF507438-7753-43E0-B8FC-AC1667EBCBE1}">
-              <a14:hiddenEffects xmlns:a14="http://schemas.microsoft.com/office/drawing/2010/main">
-                <a:effectLst>
-                  <a:outerShdw dist="35921" dir="2700000" algn="ctr" rotWithShape="0">
-                    <a:schemeClr val="bg2"/>
-                  </a:outerShdw>
-                </a:effectLst>
-              </a14:hiddenEffects>
-            </a:ext>
-          </a:extLst>
+          <a:ln/>
         </p:spPr>
+        <p:style>
+          <a:lnRef idx="1">
+            <a:schemeClr val="accent4"/>
+          </a:lnRef>
+          <a:fillRef idx="2">
+            <a:schemeClr val="accent4"/>
+          </a:fillRef>
+          <a:effectRef idx="1">
+            <a:schemeClr val="accent4"/>
+          </a:effectRef>
+          <a:fontRef idx="minor">
+            <a:schemeClr val="dk1"/>
+          </a:fontRef>
+        </p:style>
       </p:pic>
-      <p:pic>
-        <p:nvPicPr>
-          <p:cNvPr id="6" name="Picture 3"/>
-          <p:cNvPicPr>
-            <a:picLocks noChangeAspect="1" noChangeArrowheads="1"/>
-          </p:cNvPicPr>
+      <p:cxnSp>
+        <p:nvCxnSpPr>
+          <p:cNvPr id="11" name="Straight Arrow Connector 10"/>
+          <p:cNvCxnSpPr/>
           <p:nvPr/>
-        </p:nvPicPr>
-        <p:blipFill>
-          <a:blip r:embed="rId5">
-            <a:extLst>
-              <a:ext uri="{28A0092B-C50C-407E-A947-70E740481C1C}">
-                <a14:useLocalDpi xmlns:a14="http://schemas.microsoft.com/office/drawing/2010/main" val="0"/>
-              </a:ext>
-            </a:extLst>
-          </a:blip>
-          <a:srcRect/>
-          <a:stretch>
-            <a:fillRect/>
-          </a:stretch>
-        </p:blipFill>
-        <p:spPr bwMode="auto">
-          <a:xfrm>
-            <a:off x="138113" y="3455987"/>
-            <a:ext cx="4510087" cy="1420813"/>
+        </p:nvCxnSpPr>
+        <p:spPr>
+          <a:xfrm flipH="1">
+            <a:off x="1676400" y="1295400"/>
+            <a:ext cx="609600" cy="152400"/>
           </a:xfrm>
-          <a:prstGeom prst="rect">
+          <a:prstGeom prst="straightConnector1">
             <a:avLst/>
           </a:prstGeom>
-          <a:noFill/>
           <a:ln>
-            <a:noFill/>
+            <a:tailEnd type="arrow"/>
           </a:ln>
-          <a:effectLst/>
-          <a:extLst>
-            <a:ext uri="{909E8E84-426E-40DD-AFC4-6F175D3DCCD1}">
-              <a14:hiddenFill xmlns:a14="http://schemas.microsoft.com/office/drawing/2010/main">
-                <a:solidFill>
-                  <a:schemeClr val="accent1"/>
-                </a:solidFill>
-              </a14:hiddenFill>
-            </a:ext>
-            <a:ext uri="{91240B29-F687-4F45-9708-019B960494DF}">
-              <a14:hiddenLine xmlns:a14="http://schemas.microsoft.com/office/drawing/2010/main" w="9525">
-                <a:solidFill>
-                  <a:schemeClr val="tx1"/>
-                </a:solidFill>
-                <a:miter lim="800000"/>
-                <a:headEnd/>
-                <a:tailEnd/>
-              </a14:hiddenLine>
-            </a:ext>
-            <a:ext uri="{AF507438-7753-43E0-B8FC-AC1667EBCBE1}">
-              <a14:hiddenEffects xmlns:a14="http://schemas.microsoft.com/office/drawing/2010/main">
-                <a:effectLst>
-                  <a:outerShdw dist="35921" dir="2700000" algn="ctr" rotWithShape="0">
-                    <a:schemeClr val="bg2"/>
-                  </a:outerShdw>
-                </a:effectLst>
-              </a14:hiddenEffects>
-            </a:ext>
-          </a:extLst>
         </p:spPr>
-      </p:pic>
+        <p:style>
+          <a:lnRef idx="2">
+            <a:schemeClr val="accent2"/>
+          </a:lnRef>
+          <a:fillRef idx="0">
+            <a:schemeClr val="accent2"/>
+          </a:fillRef>
+          <a:effectRef idx="1">
+            <a:schemeClr val="accent2"/>
+          </a:effectRef>
+          <a:fontRef idx="minor">
+            <a:schemeClr val="tx1"/>
+          </a:fontRef>
+        </p:style>
+      </p:cxnSp>
+      <p:cxnSp>
+        <p:nvCxnSpPr>
+          <p:cNvPr id="14" name="Curved Connector 13"/>
+          <p:cNvCxnSpPr/>
+          <p:nvPr/>
+        </p:nvCxnSpPr>
+        <p:spPr>
+          <a:xfrm rot="16200000" flipV="1">
+            <a:off x="6046240" y="1507086"/>
+            <a:ext cx="1175848" cy="904875"/>
+          </a:xfrm>
+          <a:prstGeom prst="curvedConnector3">
+            <a:avLst>
+              <a:gd name="adj1" fmla="val 53240"/>
+            </a:avLst>
+          </a:prstGeom>
+          <a:ln>
+            <a:headEnd type="arrow"/>
+            <a:tailEnd type="arrow"/>
+          </a:ln>
+        </p:spPr>
+        <p:style>
+          <a:lnRef idx="1">
+            <a:schemeClr val="accent2"/>
+          </a:lnRef>
+          <a:fillRef idx="0">
+            <a:schemeClr val="accent2"/>
+          </a:fillRef>
+          <a:effectRef idx="0">
+            <a:schemeClr val="accent2"/>
+          </a:effectRef>
+          <a:fontRef idx="minor">
+            <a:schemeClr val="tx1"/>
+          </a:fontRef>
+        </p:style>
+      </p:cxnSp>
     </p:spTree>
     <p:extLst>
       <p:ext uri="{BB962C8B-B14F-4D97-AF65-F5344CB8AC3E}">
@@ -4392,7 +4375,7 @@
       </p:sp>
       <p:pic>
         <p:nvPicPr>
-          <p:cNvPr id="2050" name="Picture 2"/>
+          <p:cNvPr id="5" name="Picture 2"/>
           <p:cNvPicPr>
             <a:picLocks noChangeAspect="1" noChangeArrowheads="1"/>
           </p:cNvPicPr>
@@ -4413,8 +4396,8 @@
         </p:blipFill>
         <p:spPr bwMode="auto">
           <a:xfrm>
-            <a:off x="228600" y="503238"/>
-            <a:ext cx="5105400" cy="2697162"/>
+            <a:off x="155575" y="465138"/>
+            <a:ext cx="5400456" cy="2811462"/>
           </a:xfrm>
           <a:prstGeom prst="rect">
             <a:avLst/>
@@ -4436,16 +4419,62 @@
           </a:fontRef>
         </p:style>
       </p:pic>
-      <p:sp>
-        <p:nvSpPr>
-          <p:cNvPr id="8" name="Rectangle 7"/>
+      <p:pic>
+        <p:nvPicPr>
+          <p:cNvPr id="2051" name="Picture 3"/>
+          <p:cNvPicPr>
+            <a:picLocks noChangeAspect="1" noChangeArrowheads="1"/>
+          </p:cNvPicPr>
+          <p:nvPr/>
+        </p:nvPicPr>
+        <p:blipFill>
+          <a:blip r:embed="rId4">
+            <a:extLst>
+              <a:ext uri="{28A0092B-C50C-407E-A947-70E740481C1C}">
+                <a14:useLocalDpi xmlns:a14="http://schemas.microsoft.com/office/drawing/2010/main" val="0"/>
+              </a:ext>
+            </a:extLst>
+          </a:blip>
+          <a:srcRect/>
+          <a:stretch>
+            <a:fillRect/>
+          </a:stretch>
+        </p:blipFill>
+        <p:spPr bwMode="auto">
+          <a:xfrm>
+            <a:off x="136525" y="3429000"/>
+            <a:ext cx="8915400" cy="1447800"/>
+          </a:xfrm>
+          <a:prstGeom prst="rect">
+            <a:avLst/>
+          </a:prstGeom>
+          <a:ln/>
+        </p:spPr>
+        <p:style>
+          <a:lnRef idx="1">
+            <a:schemeClr val="accent4"/>
+          </a:lnRef>
+          <a:fillRef idx="2">
+            <a:schemeClr val="accent4"/>
+          </a:fillRef>
+          <a:effectRef idx="1">
+            <a:schemeClr val="accent4"/>
+          </a:effectRef>
+          <a:fontRef idx="minor">
+            <a:schemeClr val="dk1"/>
+          </a:fontRef>
+        </p:style>
+      </p:pic>
+      <p:sp>
+        <p:nvSpPr>
+          <p:cNvPr id="10" name="Rectangle 9"/>
           <p:cNvSpPr/>
           <p:nvPr/>
         </p:nvSpPr>
         <p:spPr>
           <a:xfrm>
-            <a:off x="1905000" y="35738"/>
-            <a:ext cx="5410200" cy="276999"/>
+            <a:off x="2286000" y="35738"/>
+            <a:ext cx="4495800" cy="276999"/>
           </a:xfrm>
           <a:prstGeom prst="rect">
             <a:avLst/>
@@ -4567,79 +4596,29 @@
           <a:p>
             <a:pPr algn="ctr"/>
             <a:r>
+              <a:rPr lang="en-US" sz="1200" dirty="0" smtClean="0"/>
+              <a:t>How to inject </a:t>
+            </a:r>
+            <a:r>
               <a:rPr lang="en-US" sz="1200" dirty="0"/>
-              <a:t>MapFactoryBean</a:t>
+              <a:t>Date into bean </a:t>
             </a:r>
             <a:r>
               <a:rPr lang="en-US" sz="1200" dirty="0" smtClean="0"/>
-              <a:t> to </a:t>
+              <a:t>property using </a:t>
             </a:r>
             <a:r>
               <a:rPr lang="en-US" sz="1200" dirty="0"/>
-              <a:t>create a concrete Map collection class </a:t>
+              <a:t>Factory </a:t>
             </a:r>
             <a:r>
               <a:rPr lang="en-US" sz="1200" dirty="0" smtClean="0"/>
-              <a:t>(</a:t>
-            </a:r>
-            <a:r>
-              <a:rPr lang="en-US" sz="1200" dirty="0"/>
-              <a:t>HashMap and TreeMap</a:t>
-            </a:r>
-            <a:r>
-              <a:rPr lang="en-US" sz="1200" dirty="0" smtClean="0"/>
-              <a:t>)</a:t>
+              <a:t>bean in Spring</a:t>
             </a:r>
             <a:endParaRPr lang="en-US" sz="1200" dirty="0"/>
           </a:p>
         </p:txBody>
       </p:sp>
-      <p:pic>
-        <p:nvPicPr>
-          <p:cNvPr id="6" name="Picture 2"/>
-          <p:cNvPicPr>
-            <a:picLocks noChangeAspect="1" noChangeArrowheads="1"/>
-          </p:cNvPicPr>
-          <p:nvPr/>
-        </p:nvPicPr>
-        <p:blipFill>
-          <a:blip r:embed="rId4">
-            <a:extLst>
-              <a:ext uri="{28A0092B-C50C-407E-A947-70E740481C1C}">
-                <a14:useLocalDpi xmlns:a14="http://schemas.microsoft.com/office/drawing/2010/main" val="0"/>
-              </a:ext>
-            </a:extLst>
-          </a:blip>
-          <a:srcRect/>
-          <a:stretch>
-            <a:fillRect/>
-          </a:stretch>
-        </p:blipFill>
-        <p:spPr bwMode="auto">
-          <a:xfrm>
-            <a:off x="228600" y="3429000"/>
-            <a:ext cx="8693150" cy="1482789"/>
-          </a:xfrm>
-          <a:prstGeom prst="rect">
-            <a:avLst/>
-          </a:prstGeom>
-          <a:ln/>
-        </p:spPr>
-        <p:style>
-          <a:lnRef idx="1">
-            <a:schemeClr val="accent4"/>
-          </a:lnRef>
-          <a:fillRef idx="3">
-            <a:schemeClr val="accent4"/>
-          </a:fillRef>
-          <a:effectRef idx="2">
-            <a:schemeClr val="accent4"/>
-          </a:effectRef>
-          <a:fontRef idx="minor">
-            <a:schemeClr val="lt1"/>
-          </a:fontRef>
-        </p:style>
-      </p:pic>
     </p:spTree>
     <p:extLst>
       <p:ext uri="{BB962C8B-B14F-4D97-AF65-F5344CB8AC3E}">
